--- a/WebContent/WEB-INF/templates/25th Anniversary/divineCodeOfConduct.pptx
+++ b/WebContent/WEB-INF/templates/25th Anniversary/divineCodeOfConduct.pptx
@@ -208,7 +208,7 @@
           <a:p>
             <a:fld id="{661244D2-2065-4847-8C74-B75063B4EBF4}" type="datetimeFigureOut">
               <a:rPr lang="en-US" smtClean="0"/>
-              <a:t>3/18/17</a:t>
+              <a:t>5/13/17</a:t>
             </a:fld>
             <a:endParaRPr lang="en-US"/>
           </a:p>
@@ -614,7 +614,7 @@
                 </a:solidFill>
               </a:rPr>
               <a:pPr/>
-              <a:t>3/18/17</a:t>
+              <a:t>5/13/17</a:t>
             </a:fld>
             <a:endParaRPr lang="en-US">
               <a:solidFill>
@@ -811,7 +811,7 @@
                 </a:solidFill>
               </a:rPr>
               <a:pPr/>
-              <a:t>3/18/17</a:t>
+              <a:t>5/13/17</a:t>
             </a:fld>
             <a:endParaRPr lang="en-US">
               <a:solidFill>
@@ -1018,7 +1018,7 @@
                 </a:solidFill>
               </a:rPr>
               <a:pPr/>
-              <a:t>3/18/17</a:t>
+              <a:t>5/13/17</a:t>
             </a:fld>
             <a:endParaRPr lang="en-US">
               <a:solidFill>
@@ -1215,7 +1215,7 @@
                 </a:solidFill>
               </a:rPr>
               <a:pPr/>
-              <a:t>3/18/17</a:t>
+              <a:t>5/13/17</a:t>
             </a:fld>
             <a:endParaRPr lang="en-US">
               <a:solidFill>
@@ -1486,7 +1486,7 @@
                 </a:solidFill>
               </a:rPr>
               <a:pPr/>
-              <a:t>3/18/17</a:t>
+              <a:t>5/13/17</a:t>
             </a:fld>
             <a:endParaRPr lang="en-US">
               <a:solidFill>
@@ -1745,7 +1745,7 @@
                 </a:solidFill>
               </a:rPr>
               <a:pPr/>
-              <a:t>3/18/17</a:t>
+              <a:t>5/13/17</a:t>
             </a:fld>
             <a:endParaRPr lang="en-US">
               <a:solidFill>
@@ -2139,7 +2139,7 @@
                 </a:solidFill>
               </a:rPr>
               <a:pPr/>
-              <a:t>3/18/17</a:t>
+              <a:t>5/13/17</a:t>
             </a:fld>
             <a:endParaRPr lang="en-US">
               <a:solidFill>
@@ -2284,7 +2284,7 @@
                 </a:solidFill>
               </a:rPr>
               <a:pPr/>
-              <a:t>3/18/17</a:t>
+              <a:t>5/13/17</a:t>
             </a:fld>
             <a:endParaRPr lang="en-US">
               <a:solidFill>
@@ -2406,7 +2406,7 @@
                 </a:solidFill>
               </a:rPr>
               <a:pPr/>
-              <a:t>3/18/17</a:t>
+              <a:t>5/13/17</a:t>
             </a:fld>
             <a:endParaRPr lang="en-US">
               <a:solidFill>
@@ -2710,7 +2710,7 @@
                 </a:solidFill>
               </a:rPr>
               <a:pPr/>
-              <a:t>3/18/17</a:t>
+              <a:t>5/13/17</a:t>
             </a:fld>
             <a:endParaRPr lang="en-US">
               <a:solidFill>
@@ -2994,7 +2994,7 @@
                 </a:solidFill>
               </a:rPr>
               <a:pPr/>
-              <a:t>3/18/17</a:t>
+              <a:t>5/13/17</a:t>
             </a:fld>
             <a:endParaRPr lang="en-US">
               <a:solidFill>
@@ -3227,7 +3227,7 @@
           <a:p>
             <a:fld id="{6A115894-3261-314E-BEB5-F3A46CF27325}" type="datetimeFigureOut">
               <a:rPr lang="en-US" smtClean="0"/>
-              <a:t>3/18/17</a:t>
+              <a:t>5/13/17</a:t>
             </a:fld>
             <a:endParaRPr lang="en-US"/>
           </a:p>
@@ -3757,35 +3757,6 @@
       </p:sp>
       <p:pic>
         <p:nvPicPr>
-          <p:cNvPr id="8" name="Picture 7"/>
-          <p:cNvPicPr>
-            <a:picLocks noChangeAspect="1"/>
-          </p:cNvPicPr>
-          <p:nvPr/>
-        </p:nvPicPr>
-        <p:blipFill rotWithShape="1">
-          <a:blip r:embed="rId2">
-            <a:extLst>
-              <a:ext uri="{28A0092B-C50C-407E-A947-70E740481C1C}">
-                <a14:useLocalDpi xmlns:a14="http://schemas.microsoft.com/office/drawing/2010/main" val="0"/>
-              </a:ext>
-            </a:extLst>
-          </a:blip>
-          <a:srcRect l="5103" t="12791" r="8163" b="6380"/>
-          <a:stretch/>
-        </p:blipFill>
-        <p:spPr>
-          <a:xfrm>
-            <a:off x="8079115" y="857250"/>
-            <a:ext cx="1041137" cy="1164733"/>
-          </a:xfrm>
-          <a:prstGeom prst="rect">
-            <a:avLst/>
-          </a:prstGeom>
-        </p:spPr>
-      </p:pic>
-      <p:pic>
-        <p:nvPicPr>
           <p:cNvPr id="9" name="Picture 8"/>
           <p:cNvPicPr>
             <a:picLocks noChangeAspect="1"/>
@@ -3793,7 +3764,7 @@
           <p:nvPr/>
         </p:nvPicPr>
         <p:blipFill>
-          <a:blip r:embed="rId3">
+          <a:blip r:embed="rId2">
             <a:extLst>
               <a:ext uri="{28A0092B-C50C-407E-A947-70E740481C1C}">
                 <a14:useLocalDpi xmlns:a14="http://schemas.microsoft.com/office/drawing/2010/main" val="0"/>
@@ -3806,8 +3777,8 @@
         </p:blipFill>
         <p:spPr>
           <a:xfrm>
-            <a:off x="-5774" y="867465"/>
-            <a:ext cx="1003302" cy="1010290"/>
+            <a:off x="-5718" y="916108"/>
+            <a:ext cx="1522934" cy="1533541"/>
           </a:xfrm>
           <a:prstGeom prst="rect">
             <a:avLst/>
@@ -3836,12 +3807,12 @@
           <a:p>
             <a:pPr algn="ctr" defTabSz="457155"/>
             <a:r>
-              <a:rPr lang="en-US" sz="2800" b="1" dirty="0" err="1">
+              <a:rPr lang="en-US" sz="2800" b="1" dirty="0" err="1" smtClean="0">
                 <a:solidFill>
                   <a:srgbClr val="004C97"/>
                 </a:solidFill>
               </a:rPr>
-              <a:t>DivineCoC</a:t>
+              <a:t>DiviceCodeOfConduct</a:t>
             </a:r>
             <a:endParaRPr lang="en-US" sz="2800" b="1" kern="0" dirty="0">
               <a:solidFill>
@@ -3854,6 +3825,30 @@
           </a:p>
         </p:txBody>
       </p:sp>
+      <p:pic>
+        <p:nvPicPr>
+          <p:cNvPr id="10" name="Picture 9"/>
+          <p:cNvPicPr>
+            <a:picLocks noChangeAspect="1"/>
+          </p:cNvPicPr>
+          <p:nvPr/>
+        </p:nvPicPr>
+        <p:blipFill>
+          <a:blip r:embed="rId3"/>
+          <a:stretch>
+            <a:fillRect/>
+          </a:stretch>
+        </p:blipFill>
+        <p:spPr>
+          <a:xfrm>
+            <a:off x="7726054" y="867467"/>
+            <a:ext cx="1417946" cy="1533539"/>
+          </a:xfrm>
+          <a:prstGeom prst="rect">
+            <a:avLst/>
+          </a:prstGeom>
+        </p:spPr>
+      </p:pic>
     </p:spTree>
     <p:extLst>
       <p:ext uri="{BB962C8B-B14F-4D97-AF65-F5344CB8AC3E}">

--- a/WebContent/WEB-INF/templates/25th Anniversary/divineCodeOfConduct.pptx
+++ b/WebContent/WEB-INF/templates/25th Anniversary/divineCodeOfConduct.pptx
@@ -3812,7 +3812,7 @@
                   <a:srgbClr val="004C97"/>
                 </a:solidFill>
               </a:rPr>
-              <a:t>DiviceCodeOfConduct</a:t>
+              <a:t>DivineCodeOfConduct</a:t>
             </a:r>
             <a:endParaRPr lang="en-US" sz="2800" b="1" kern="0" dirty="0">
               <a:solidFill>
